--- a/기상데이터분석 인공지능활용 창업경진대회 /중간 발표 자료/대전지역 폭염 예측 기술 _해와 달 사이 그대(선문대)_최종본.pptx
+++ b/기상데이터분석 인공지능활용 창업경진대회 /중간 발표 자료/대전지역 폭염 예측 기술 _해와 달 사이 그대(선문대)_최종본.pptx
@@ -206,7 +206,7 @@
           <a:p>
             <a:fld id="{777DBA7F-DE4E-5349-8995-DFB04F1CA64F}" type="datetimeFigureOut">
               <a:rPr kumimoji="1" lang="ko-KR" altLang="en-US" smtClean="0"/>
-              <a:t>2019-06-15</a:t>
+              <a:t>2019. 6. 18.</a:t>
             </a:fld>
             <a:endParaRPr kumimoji="1" lang="ko-KR" altLang="en-US"/>
           </a:p>
@@ -602,7 +602,7 @@
           <a:p>
             <a:fld id="{546F77B7-5ADD-E942-9AED-9B3572CCC307}" type="datetime1">
               <a:rPr lang="ko-KR" altLang="en-US" smtClean="0"/>
-              <a:t>2019-06-15</a:t>
+              <a:t>2019. 6. 18.</a:t>
             </a:fld>
             <a:endParaRPr lang="ko-KR" altLang="en-US"/>
           </a:p>
@@ -770,7 +770,7 @@
           <a:p>
             <a:fld id="{C9372974-72F8-2247-879C-28D1372039F5}" type="datetime1">
               <a:rPr lang="ko-KR" altLang="en-US" smtClean="0"/>
-              <a:t>2019-06-15</a:t>
+              <a:t>2019. 6. 18.</a:t>
             </a:fld>
             <a:endParaRPr lang="ko-KR" altLang="en-US"/>
           </a:p>
@@ -948,7 +948,7 @@
           <a:p>
             <a:fld id="{31677B17-288C-874E-AAFD-6E93BF0AECD0}" type="datetime1">
               <a:rPr lang="ko-KR" altLang="en-US" smtClean="0"/>
-              <a:t>2019-06-15</a:t>
+              <a:t>2019. 6. 18.</a:t>
             </a:fld>
             <a:endParaRPr lang="ko-KR" altLang="en-US"/>
           </a:p>
@@ -1116,7 +1116,7 @@
           <a:p>
             <a:fld id="{933008E9-8CC7-DA4E-A8C5-C7B5DC692AFD}" type="datetime1">
               <a:rPr lang="ko-KR" altLang="en-US" smtClean="0"/>
-              <a:t>2019-06-15</a:t>
+              <a:t>2019. 6. 18.</a:t>
             </a:fld>
             <a:endParaRPr lang="ko-KR" altLang="en-US"/>
           </a:p>
@@ -1361,7 +1361,7 @@
           <a:p>
             <a:fld id="{049F9FAB-FFC8-BC4D-8DAB-9267146BA5D5}" type="datetime1">
               <a:rPr lang="ko-KR" altLang="en-US" smtClean="0"/>
-              <a:t>2019-06-15</a:t>
+              <a:t>2019. 6. 18.</a:t>
             </a:fld>
             <a:endParaRPr lang="ko-KR" altLang="en-US"/>
           </a:p>
@@ -1590,7 +1590,7 @@
           <a:p>
             <a:fld id="{70AC1249-18BF-5148-BE88-1BD68DC28E5C}" type="datetime1">
               <a:rPr lang="ko-KR" altLang="en-US" smtClean="0"/>
-              <a:t>2019-06-15</a:t>
+              <a:t>2019. 6. 18.</a:t>
             </a:fld>
             <a:endParaRPr lang="ko-KR" altLang="en-US"/>
           </a:p>
@@ -1954,7 +1954,7 @@
           <a:p>
             <a:fld id="{34558799-5FFD-CD4D-A7BC-13A3E82C94A5}" type="datetime1">
               <a:rPr lang="ko-KR" altLang="en-US" smtClean="0"/>
-              <a:t>2019-06-15</a:t>
+              <a:t>2019. 6. 18.</a:t>
             </a:fld>
             <a:endParaRPr lang="ko-KR" altLang="en-US"/>
           </a:p>
@@ -2071,7 +2071,7 @@
           <a:p>
             <a:fld id="{316E81BB-23FB-5E40-87D3-533EC4C48CE5}" type="datetime1">
               <a:rPr lang="ko-KR" altLang="en-US" smtClean="0"/>
-              <a:t>2019-06-15</a:t>
+              <a:t>2019. 6. 18.</a:t>
             </a:fld>
             <a:endParaRPr lang="ko-KR" altLang="en-US"/>
           </a:p>
@@ -2166,7 +2166,7 @@
           <a:p>
             <a:fld id="{9CD5C81A-ACB7-9C43-A08F-1AB768D8AC0E}" type="datetime1">
               <a:rPr lang="ko-KR" altLang="en-US" smtClean="0"/>
-              <a:t>2019-06-15</a:t>
+              <a:t>2019. 6. 18.</a:t>
             </a:fld>
             <a:endParaRPr lang="ko-KR" altLang="en-US"/>
           </a:p>
@@ -2441,7 +2441,7 @@
           <a:p>
             <a:fld id="{93040761-3649-6844-A942-DFC770571563}" type="datetime1">
               <a:rPr lang="ko-KR" altLang="en-US" smtClean="0"/>
-              <a:t>2019-06-15</a:t>
+              <a:t>2019. 6. 18.</a:t>
             </a:fld>
             <a:endParaRPr lang="ko-KR" altLang="en-US"/>
           </a:p>
@@ -2693,7 +2693,7 @@
           <a:p>
             <a:fld id="{5F11A2B6-758E-F544-A307-0B0F0FCA1846}" type="datetime1">
               <a:rPr lang="ko-KR" altLang="en-US" smtClean="0"/>
-              <a:t>2019-06-15</a:t>
+              <a:t>2019. 6. 18.</a:t>
             </a:fld>
             <a:endParaRPr lang="ko-KR" altLang="en-US"/>
           </a:p>
@@ -2904,7 +2904,7 @@
           <a:p>
             <a:fld id="{75904370-D8B8-494E-B3D3-808052E61A54}" type="datetime1">
               <a:rPr lang="ko-KR" altLang="en-US" smtClean="0"/>
-              <a:t>2019-06-15</a:t>
+              <a:t>2019. 6. 18.</a:t>
             </a:fld>
             <a:endParaRPr lang="ko-KR" altLang="en-US"/>
           </a:p>
@@ -3572,31 +3572,6 @@
           </a:p>
           <a:p>
             <a:pPr algn="l"/>
-            <a:r>
-              <a:rPr lang="en-US" altLang="ko-KR" sz="1800" dirty="0"/>
-              <a:t>- </a:t>
-            </a:r>
-            <a:r>
-              <a:rPr lang="ko-KR" altLang="en-US" sz="1800" dirty="0"/>
-              <a:t>함예은 </a:t>
-            </a:r>
-            <a:r>
-              <a:rPr lang="en-US" altLang="ko-KR" sz="1800" dirty="0"/>
-              <a:t>(</a:t>
-            </a:r>
-            <a:r>
-              <a:rPr lang="en-US" altLang="ko-KR" sz="1800" dirty="0">
-                <a:hlinkClick r:id="rId7"/>
-              </a:rPr>
-              <a:t>juvi98y@gmail.com</a:t>
-            </a:r>
-            <a:r>
-              <a:rPr lang="en-US" altLang="ko-KR" sz="1800" dirty="0"/>
-              <a:t>)</a:t>
-            </a:r>
-          </a:p>
-          <a:p>
-            <a:pPr algn="l"/>
             <a:endParaRPr lang="en-US" altLang="ko-KR" sz="1800" dirty="0"/>
           </a:p>
           <a:p>
@@ -3614,7 +3589,7 @@
           <p:nvPr/>
         </p:nvPicPr>
         <p:blipFill>
-          <a:blip r:embed="rId8" cstate="hqprint">
+          <a:blip r:embed="rId7" cstate="hqprint">
             <a:extLst>
               <a:ext uri="{28A0092B-C50C-407E-A947-70E740481C1C}">
                 <a14:useLocalDpi xmlns:a14="http://schemas.microsoft.com/office/drawing/2010/main" val="0"/>
@@ -3660,7 +3635,7 @@
               <a:rPr lang="ko-KR" altLang="en-US" smtClean="0"/>
               <a:t>1</a:t>
             </a:fld>
-            <a:endParaRPr lang="ko-KR" altLang="en-US"/>
+            <a:endParaRPr lang="ko-KR" altLang="en-US" dirty="0"/>
           </a:p>
         </p:txBody>
       </p:sp>
@@ -3708,13 +3683,6 @@
   <p:clrMapOvr>
     <a:masterClrMapping/>
   </p:clrMapOvr>
-  <p:timing>
-    <p:tnLst>
-      <p:par>
-        <p:cTn id="1" dur="indefinite" restart="never" nodeType="tmRoot"/>
-      </p:par>
-    </p:tnLst>
-  </p:timing>
 </p:sld>
 </file>
 
@@ -4125,39 +4093,19 @@
               <a:rPr lang="en-US" altLang="ko-KR" sz="1400" dirty="0">
                 <a:hlinkClick r:id="rId4"/>
               </a:rPr>
-              <a:t>wnghtmd99@naver.com</a:t>
-            </a:r>
-            <a:r>
-              <a:rPr lang="en-US" altLang="ko-KR" sz="1400" dirty="0"/>
+              <a:t>wnghtmd99@naver</a:t>
+            </a:r>
+            <a:r>
+              <a:rPr lang="en-US" altLang="ko-KR" sz="1400">
+                <a:hlinkClick r:id="rId4"/>
+              </a:rPr>
+              <a:t>.com</a:t>
+            </a:r>
+            <a:r>
+              <a:rPr lang="en-US" altLang="ko-KR" sz="1400"/>
               <a:t>)</a:t>
             </a:r>
-          </a:p>
-          <a:p>
-            <a:pPr marL="0" indent="0">
-              <a:buNone/>
-            </a:pPr>
-            <a:r>
-              <a:rPr lang="en-US" altLang="ko-KR" sz="1400" dirty="0"/>
-              <a:t>- </a:t>
-            </a:r>
-            <a:r>
-              <a:rPr lang="ko-KR" altLang="en-US" sz="1400" dirty="0"/>
-              <a:t>함예은 </a:t>
-            </a:r>
-            <a:r>
-              <a:rPr lang="en-US" altLang="ko-KR" sz="1400" dirty="0"/>
-              <a:t>(</a:t>
-            </a:r>
-            <a:r>
-              <a:rPr lang="en-US" altLang="ko-KR" sz="1400" dirty="0">
-                <a:hlinkClick r:id="rId5"/>
-              </a:rPr>
-              <a:t>juvi98y@gmail.com</a:t>
-            </a:r>
-            <a:r>
-              <a:rPr lang="en-US" altLang="ko-KR" sz="1400" dirty="0"/>
-              <a:t>)</a:t>
-            </a:r>
+            <a:endParaRPr lang="en-US" altLang="ko-KR" sz="1400" dirty="0"/>
           </a:p>
         </p:txBody>
       </p:sp>
@@ -4171,13 +4119,6 @@
   <p:clrMapOvr>
     <a:masterClrMapping/>
   </p:clrMapOvr>
-  <p:timing>
-    <p:tnLst>
-      <p:par>
-        <p:cTn id="1" dur="indefinite" restart="never" nodeType="tmRoot"/>
-      </p:par>
-    </p:tnLst>
-  </p:timing>
 </p:sld>
 </file>
 
@@ -4451,13 +4392,6 @@
   <p:clrMapOvr>
     <a:masterClrMapping/>
   </p:clrMapOvr>
-  <p:timing>
-    <p:tnLst>
-      <p:par>
-        <p:cTn id="1" dur="indefinite" restart="never" nodeType="tmRoot"/>
-      </p:par>
-    </p:tnLst>
-  </p:timing>
 </p:sld>
 </file>
 
@@ -6284,8 +6218,8 @@
         </p:nvSpPr>
         <p:spPr>
           <a:xfrm>
-            <a:off x="1070711" y="1655700"/>
-            <a:ext cx="2511829" cy="1477328"/>
+            <a:off x="837847" y="1678551"/>
+            <a:ext cx="2709949" cy="1200329"/>
           </a:xfrm>
           <a:prstGeom prst="rect">
             <a:avLst/>
@@ -9101,26 +9035,14 @@
             </a:r>
             <a:r>
               <a:rPr kumimoji="1" lang="ko-KR" altLang="en-US" sz="2000" dirty="0"/>
-              <a:t>계절이 존재하기 때문에 더 나아가 겨울철 대설도 예측하는 데이터 </a:t>
-            </a:r>
-            <a:r>
-              <a:rPr kumimoji="1" lang="ko-KR" altLang="en-US" sz="2000" dirty="0" smtClean="0"/>
-              <a:t>생성이</a:t>
-            </a:r>
-            <a:r>
-              <a:rPr kumimoji="1" lang="en-US" altLang="ko-KR" sz="2000" dirty="0" smtClean="0"/>
-              <a:t/>
+              <a:t>계절이 존재하기 때문에 더 나아가 겨울철 대설도 예측하는 데이터 생성이</a:t>
             </a:r>
             <a:br>
-              <a:rPr kumimoji="1" lang="en-US" altLang="ko-KR" sz="2000" dirty="0" smtClean="0"/>
+              <a:rPr kumimoji="1" lang="en-US" altLang="ko-KR" sz="2000" dirty="0"/>
             </a:br>
             <a:r>
-              <a:rPr kumimoji="1" lang="ko-KR" altLang="en-US" sz="2000" dirty="0" smtClean="0"/>
-              <a:t>가능할 </a:t>
-            </a:r>
-            <a:r>
               <a:rPr kumimoji="1" lang="ko-KR" altLang="en-US" sz="2000" dirty="0"/>
-              <a:t>것으로 예상됨</a:t>
+              <a:t>가능할 것으로 예상됨</a:t>
             </a:r>
             <a:endParaRPr kumimoji="1" lang="en-US" altLang="ko-KR" sz="2000" dirty="0"/>
           </a:p>
@@ -9140,20 +9062,12 @@
               <a:rPr kumimoji="1" lang="ko-KR" altLang="en-US" sz="2000" dirty="0"/>
               <a:t>기후 특성상 수많은 변화가 예상되지만 많은 데이터들을 이용해 분석하면 더욱 정확한 모델이 </a:t>
             </a:r>
-            <a:r>
-              <a:rPr kumimoji="1" lang="en-US" altLang="ko-KR" sz="2000" dirty="0"/>
-              <a:t/>
-            </a:r>
             <a:br>
               <a:rPr kumimoji="1" lang="en-US" altLang="ko-KR" sz="2000" dirty="0"/>
             </a:br>
             <a:r>
-              <a:rPr kumimoji="1" lang="ko-KR" altLang="en-US" sz="2000" dirty="0" smtClean="0"/>
-              <a:t>만들어질 </a:t>
-            </a:r>
-            <a:r>
               <a:rPr kumimoji="1" lang="ko-KR" altLang="en-US" sz="2000" dirty="0"/>
-              <a:t>것으로 예상됨</a:t>
+              <a:t>만들어질 것으로 예상됨</a:t>
             </a:r>
             <a:endParaRPr kumimoji="1" lang="en-US" altLang="ko-KR" sz="2000" dirty="0"/>
           </a:p>
@@ -11717,13 +11631,6 @@
   <p:clrMapOvr>
     <a:masterClrMapping/>
   </p:clrMapOvr>
-  <p:timing>
-    <p:tnLst>
-      <p:par>
-        <p:cTn id="1" dur="indefinite" restart="never" nodeType="tmRoot"/>
-      </p:par>
-    </p:tnLst>
-  </p:timing>
 </p:sld>
 </file>
 
